--- a/Batch-12 Online/Self Pace/Curriculum/Lectures/Section 10/AWS Auto Scaling.pptx
+++ b/Batch-12 Online/Self Pace/Curriculum/Lectures/Section 10/AWS Auto Scaling.pptx
@@ -319,7 +319,7 @@
           <a:p>
             <a:fld id="{AC104024-21A3-4359-A89B-CEDB2AC7546A}" type="datetimeFigureOut">
               <a:rPr lang="en-US" smtClean="0"/>
-              <a:t>9/14/2023</a:t>
+              <a:t>2/14/2024</a:t>
             </a:fld>
             <a:endParaRPr lang="en-US"/>
           </a:p>
@@ -483,7 +483,7 @@
           <a:p>
             <a:fld id="{AC104024-21A3-4359-A89B-CEDB2AC7546A}" type="datetimeFigureOut">
               <a:rPr lang="en-US" smtClean="0"/>
-              <a:t>9/14/2023</a:t>
+              <a:t>2/14/2024</a:t>
             </a:fld>
             <a:endParaRPr lang="en-US"/>
           </a:p>
@@ -657,7 +657,7 @@
           <a:p>
             <a:fld id="{AC104024-21A3-4359-A89B-CEDB2AC7546A}" type="datetimeFigureOut">
               <a:rPr lang="en-US" smtClean="0"/>
-              <a:t>9/14/2023</a:t>
+              <a:t>2/14/2024</a:t>
             </a:fld>
             <a:endParaRPr lang="en-US"/>
           </a:p>
@@ -821,7 +821,7 @@
           <a:p>
             <a:fld id="{AC104024-21A3-4359-A89B-CEDB2AC7546A}" type="datetimeFigureOut">
               <a:rPr lang="en-US" smtClean="0"/>
-              <a:t>9/14/2023</a:t>
+              <a:t>2/14/2024</a:t>
             </a:fld>
             <a:endParaRPr lang="en-US"/>
           </a:p>
@@ -1062,7 +1062,7 @@
           <a:p>
             <a:fld id="{AC104024-21A3-4359-A89B-CEDB2AC7546A}" type="datetimeFigureOut">
               <a:rPr lang="en-US" smtClean="0"/>
-              <a:t>9/14/2023</a:t>
+              <a:t>2/14/2024</a:t>
             </a:fld>
             <a:endParaRPr lang="en-US"/>
           </a:p>
@@ -1325,7 +1325,7 @@
           <a:p>
             <a:fld id="{AC104024-21A3-4359-A89B-CEDB2AC7546A}" type="datetimeFigureOut">
               <a:rPr lang="en-US" smtClean="0"/>
-              <a:t>9/14/2023</a:t>
+              <a:t>2/14/2024</a:t>
             </a:fld>
             <a:endParaRPr lang="en-US"/>
           </a:p>
@@ -1702,7 +1702,7 @@
           <a:p>
             <a:fld id="{AC104024-21A3-4359-A89B-CEDB2AC7546A}" type="datetimeFigureOut">
               <a:rPr lang="en-US" smtClean="0"/>
-              <a:t>9/14/2023</a:t>
+              <a:t>2/14/2024</a:t>
             </a:fld>
             <a:endParaRPr lang="en-US"/>
           </a:p>
@@ -1851,7 +1851,7 @@
           <a:p>
             <a:fld id="{AC104024-21A3-4359-A89B-CEDB2AC7546A}" type="datetimeFigureOut">
               <a:rPr lang="en-US" smtClean="0"/>
-              <a:t>9/14/2023</a:t>
+              <a:t>2/14/2024</a:t>
             </a:fld>
             <a:endParaRPr lang="en-US"/>
           </a:p>
@@ -1941,7 +1941,7 @@
           <a:p>
             <a:fld id="{AC104024-21A3-4359-A89B-CEDB2AC7546A}" type="datetimeFigureOut">
               <a:rPr lang="en-US" smtClean="0"/>
-              <a:t>9/14/2023</a:t>
+              <a:t>2/14/2024</a:t>
             </a:fld>
             <a:endParaRPr lang="en-US"/>
           </a:p>
@@ -2201,7 +2201,7 @@
           <a:p>
             <a:fld id="{AC104024-21A3-4359-A89B-CEDB2AC7546A}" type="datetimeFigureOut">
               <a:rPr lang="en-US" smtClean="0"/>
-              <a:t>9/14/2023</a:t>
+              <a:t>2/14/2024</a:t>
             </a:fld>
             <a:endParaRPr lang="en-US"/>
           </a:p>
@@ -2488,7 +2488,7 @@
           <a:p>
             <a:fld id="{AC104024-21A3-4359-A89B-CEDB2AC7546A}" type="datetimeFigureOut">
               <a:rPr lang="en-US" smtClean="0"/>
-              <a:t>9/14/2023</a:t>
+              <a:t>2/14/2024</a:t>
             </a:fld>
             <a:endParaRPr lang="en-US"/>
           </a:p>
@@ -3257,7 +3257,7 @@
           <a:p>
             <a:fld id="{AC104024-21A3-4359-A89B-CEDB2AC7546A}" type="datetimeFigureOut">
               <a:rPr lang="en-US" smtClean="0"/>
-              <a:t>9/14/2023</a:t>
+              <a:t>2/14/2024</a:t>
             </a:fld>
             <a:endParaRPr lang="en-US"/>
           </a:p>
@@ -4426,7 +4426,7 @@
                 <a:effectLst/>
                 <a:latin typeface="Söhne"/>
               </a:rPr>
-              <a:t>Launch Configuration</a:t>
+              <a:t>Launch Template</a:t>
             </a:r>
             <a:r>
               <a:rPr lang="en-US" b="0" i="0" dirty="0">
@@ -4436,7 +4436,7 @@
                 <a:effectLst/>
                 <a:latin typeface="Söhne"/>
               </a:rPr>
-              <a:t>: A launch configuration defines the specifications of the instances that Auto Scaling launches. You can specify the AMI, instance type, security groups, and user data. When scaling up, Auto Scaling uses this configuration to create new instances.</a:t>
+              <a:t>: A Launch Template defines the specifications of the instances that Auto Scaling launches. You can specify the AMI, instance type, security groups, and user data. When scaling up, Auto Scaling uses this configuration to create new instances.</a:t>
             </a:r>
           </a:p>
           <a:p>
